--- a/Documentatie/Powerpoints/4_11_2021.pptx
+++ b/Documentatie/Powerpoints/4_11_2021.pptx
@@ -106,6 +106,11 @@
       </a:defRPr>
     </a:lvl9pPr>
   </p:defaultTextStyle>
+  <p:extLst>
+    <p:ext uri="{EFAFB233-063F-42B5-8137-9DF3F51BA10A}">
+      <p15:sldGuideLst xmlns:p15="http://schemas.microsoft.com/office/powerpoint/2012/main"/>
+    </p:ext>
+  </p:extLst>
 </p:presentation>
 </file>
 
@@ -6000,18 +6005,35 @@
             </a:r>
           </a:p>
           <a:p>
-            <a:pPr lvl="1"/>
+            <a:pPr lvl="2"/>
+            <a:r>
+              <a:rPr lang="nl-BE" dirty="0" err="1"/>
+              <a:t>WagenTypeRepo</a:t>
+            </a:r>
             <a:r>
               <a:rPr lang="nl-BE" dirty="0"/>
-              <a:t>Presentatie laag</a:t>
+              <a:t> implementeren</a:t>
             </a:r>
           </a:p>
           <a:p>
             <a:pPr lvl="2"/>
+            <a:endParaRPr lang="nl-BE" dirty="0"/>
+          </a:p>
+          <a:p>
+            <a:pPr lvl="2"/>
             <a:r>
               <a:rPr lang="nl-BE" dirty="0"/>
-              <a:t>UI en UX presentatielagen ontworpen</a:t>
-            </a:r>
+              <a:t>ERD databank </a:t>
+            </a:r>
+            <a:r>
+              <a:rPr lang="nl-BE"/>
+              <a:t>+ scrip</a:t>
+            </a:r>
+            <a:r>
+              <a:rPr lang="nl-BE" dirty="0"/>
+              <a:t>t</a:t>
+            </a:r>
+            <a:endParaRPr lang="nl-BE"/>
           </a:p>
         </p:txBody>
       </p:sp>
